--- a/presentations/GPN201806-perfSONAR-Installation_and_Basic_Configuration.pptx
+++ b/presentations/GPN201806-perfSONAR-Installation_and_Basic_Configuration.pptx
@@ -258,7 +258,7 @@
           <a:p>
             <a:fld id="{21D980FC-0759-CA42-B022-0B54C3274F97}" type="datetimeFigureOut">
               <a:rPr lang="en-US" smtClean="0"/>
-              <a:t>5/31/18</a:t>
+              <a:t>6/1/18</a:t>
             </a:fld>
             <a:endParaRPr lang="en-US"/>
           </a:p>
@@ -424,7 +424,7 @@
           <a:p>
             <a:fld id="{0FEC92A4-9BD9-794B-BE3A-04EDF069D8A0}" type="datetimeFigureOut">
               <a:rPr lang="en-US" smtClean="0"/>
-              <a:t>5/31/18</a:t>
+              <a:t>6/1/18</a:t>
             </a:fld>
             <a:endParaRPr lang="en-US"/>
           </a:p>
@@ -2893,7 +2893,7 @@
           <a:noFill/>
           <a:extLst>
             <a:ext uri="{909E8E84-426E-40dd-AFC4-6F175D3DCCD1}">
-              <a14:hiddenFill xmlns="" xmlns:a14="http://schemas.microsoft.com/office/drawing/2010/main">
+              <a14:hiddenFill xmlns:a14="http://schemas.microsoft.com/office/drawing/2010/main" xmlns="">
                 <a:solidFill>
                   <a:srgbClr val="FFFFFF"/>
                 </a:solidFill>
@@ -2997,7 +2997,7 @@
           <a:p>
             <a:fld id="{7EBBEAA2-3FE4-4286-AAE3-AA9BAEF5AC7C}" type="datetime4">
               <a:rPr lang="en-US" smtClean="0"/>
-              <a:t>May 31, 2018</a:t>
+              <a:t>June 1, 2018</a:t>
             </a:fld>
             <a:endParaRPr lang="en-US" dirty="0"/>
           </a:p>
@@ -3348,7 +3348,7 @@
           <a:p>
             <a:fld id="{C203294C-BF92-4B96-BADB-6293C8550333}" type="datetime4">
               <a:rPr lang="en-US" smtClean="0"/>
-              <a:t>May 31, 2018</a:t>
+              <a:t>June 1, 2018</a:t>
             </a:fld>
             <a:endParaRPr lang="en-US" dirty="0"/>
           </a:p>
@@ -3678,7 +3678,7 @@
           <a:p>
             <a:fld id="{EFEA91C1-237C-4073-BD25-5A890C83A5AB}" type="datetime4">
               <a:rPr lang="en-US" smtClean="0"/>
-              <a:t>May 31, 2018</a:t>
+              <a:t>June 1, 2018</a:t>
             </a:fld>
             <a:endParaRPr lang="en-US" dirty="0"/>
           </a:p>
@@ -4018,7 +4018,7 @@
           <a:noFill/>
           <a:extLst>
             <a:ext uri="{909E8E84-426E-40dd-AFC4-6F175D3DCCD1}">
-              <a14:hiddenFill xmlns="" xmlns:a14="http://schemas.microsoft.com/office/drawing/2010/main">
+              <a14:hiddenFill xmlns:a14="http://schemas.microsoft.com/office/drawing/2010/main" xmlns="">
                 <a:solidFill>
                   <a:srgbClr val="FFFFFF"/>
                 </a:solidFill>
@@ -4062,7 +4062,7 @@
           <a:p>
             <a:fld id="{0A04FDF8-42E0-45E8-AC4E-914759EE0013}" type="datetime4">
               <a:rPr lang="en-US" smtClean="0"/>
-              <a:t>May 31, 2018</a:t>
+              <a:t>June 1, 2018</a:t>
             </a:fld>
             <a:endParaRPr lang="en-US" dirty="0"/>
           </a:p>
@@ -4589,7 +4589,7 @@
           <a:noFill/>
           <a:extLst>
             <a:ext uri="{909E8E84-426E-40dd-AFC4-6F175D3DCCD1}">
-              <a14:hiddenFill xmlns="" xmlns:a14="http://schemas.microsoft.com/office/drawing/2010/main">
+              <a14:hiddenFill xmlns:a14="http://schemas.microsoft.com/office/drawing/2010/main" xmlns="">
                 <a:solidFill>
                   <a:srgbClr val="FFFFFF"/>
                 </a:solidFill>
@@ -4693,7 +4693,7 @@
           <a:p>
             <a:fld id="{0024AD69-6D30-45CC-966B-3A532F91B903}" type="datetime4">
               <a:rPr lang="en-US" smtClean="0"/>
-              <a:t>May 31, 2018</a:t>
+              <a:t>June 1, 2018</a:t>
             </a:fld>
             <a:endParaRPr lang="en-US" dirty="0"/>
           </a:p>
@@ -5074,7 +5074,7 @@
           <a:p>
             <a:fld id="{B930DFBE-CA52-43FF-A668-5F3A221E7251}" type="datetime4">
               <a:rPr lang="en-US" smtClean="0"/>
-              <a:t>May 31, 2018</a:t>
+              <a:t>June 1, 2018</a:t>
             </a:fld>
             <a:endParaRPr lang="en-US" dirty="0"/>
           </a:p>
@@ -5627,7 +5627,7 @@
           <a:noFill/>
           <a:extLst>
             <a:ext uri="{909E8E84-426E-40dd-AFC4-6F175D3DCCD1}">
-              <a14:hiddenFill xmlns="" xmlns:a14="http://schemas.microsoft.com/office/drawing/2010/main">
+              <a14:hiddenFill xmlns:a14="http://schemas.microsoft.com/office/drawing/2010/main" xmlns="">
                 <a:solidFill>
                   <a:srgbClr val="FFFFFF"/>
                 </a:solidFill>
@@ -5671,7 +5671,7 @@
           <a:p>
             <a:fld id="{D12B9B44-0DA8-4574-8AD4-C6939123F7F4}" type="datetime4">
               <a:rPr lang="en-US" smtClean="0"/>
-              <a:t>May 31, 2018</a:t>
+              <a:t>June 1, 2018</a:t>
             </a:fld>
             <a:endParaRPr lang="en-US" dirty="0"/>
           </a:p>
@@ -5977,7 +5977,7 @@
           <a:noFill/>
           <a:extLst>
             <a:ext uri="{909E8E84-426E-40dd-AFC4-6F175D3DCCD1}">
-              <a14:hiddenFill xmlns="" xmlns:a14="http://schemas.microsoft.com/office/drawing/2010/main">
+              <a14:hiddenFill xmlns:a14="http://schemas.microsoft.com/office/drawing/2010/main" xmlns="">
                 <a:solidFill>
                   <a:srgbClr val="FFFFFF"/>
                 </a:solidFill>
@@ -6021,7 +6021,7 @@
           <a:p>
             <a:fld id="{35676E87-3B43-4141-B51C-335EED4D3877}" type="datetime4">
               <a:rPr lang="en-US" smtClean="0"/>
-              <a:t>May 31, 2018</a:t>
+              <a:t>June 1, 2018</a:t>
             </a:fld>
             <a:endParaRPr lang="en-US" dirty="0"/>
           </a:p>
@@ -6305,7 +6305,7 @@
           <a:noFill/>
           <a:extLst>
             <a:ext uri="{909E8E84-426E-40dd-AFC4-6F175D3DCCD1}">
-              <a14:hiddenFill xmlns="" xmlns:a14="http://schemas.microsoft.com/office/drawing/2010/main">
+              <a14:hiddenFill xmlns:a14="http://schemas.microsoft.com/office/drawing/2010/main" xmlns="">
                 <a:solidFill>
                   <a:srgbClr val="FFFFFF"/>
                 </a:solidFill>
@@ -6349,7 +6349,7 @@
           <a:p>
             <a:fld id="{C85479B6-A74C-48EA-A4B0-261FB25FC68A}" type="datetime4">
               <a:rPr lang="en-US" smtClean="0"/>
-              <a:t>May 31, 2018</a:t>
+              <a:t>June 1, 2018</a:t>
             </a:fld>
             <a:endParaRPr lang="en-US" dirty="0"/>
           </a:p>
@@ -6776,7 +6776,7 @@
           <a:p>
             <a:fld id="{8693D77A-2971-4E04-B98B-F57FFDF78E06}" type="datetime4">
               <a:rPr lang="en-US" smtClean="0"/>
-              <a:t>May 31, 2018</a:t>
+              <a:t>June 1, 2018</a:t>
             </a:fld>
             <a:endParaRPr lang="en-US" dirty="0"/>
           </a:p>
@@ -7183,7 +7183,7 @@
           <a:p>
             <a:fld id="{9E2B107E-4729-4C7D-BF56-4BFB5F5E7C60}" type="datetime4">
               <a:rPr lang="en-US" smtClean="0"/>
-              <a:t>May 31, 2018</a:t>
+              <a:t>June 1, 2018</a:t>
             </a:fld>
             <a:endParaRPr lang="en-US" dirty="0"/>
           </a:p>
@@ -7649,7 +7649,7 @@
           <a:noFill/>
           <a:extLst>
             <a:ext uri="{909E8E84-426E-40dd-AFC4-6F175D3DCCD1}">
-              <a14:hiddenFill xmlns="" xmlns:a14="http://schemas.microsoft.com/office/drawing/2010/main">
+              <a14:hiddenFill xmlns:a14="http://schemas.microsoft.com/office/drawing/2010/main" xmlns="">
                 <a:solidFill>
                   <a:srgbClr val="FFFFFF"/>
                 </a:solidFill>
@@ -7693,7 +7693,7 @@
           <a:p>
             <a:fld id="{199A2A6F-6874-4A65-8D24-B4D1C1597944}" type="datetime4">
               <a:rPr lang="en-US" smtClean="0"/>
-              <a:t>May 31, 2018</a:t>
+              <a:t>June 1, 2018</a:t>
             </a:fld>
             <a:endParaRPr lang="en-US" dirty="0"/>
           </a:p>
@@ -8167,7 +8167,7 @@
           <a:p>
             <a:fld id="{454A3E40-D606-4048-8FFF-BB5072E3DEDC}" type="datetime4">
               <a:rPr lang="en-US" smtClean="0"/>
-              <a:t>May 31, 2018</a:t>
+              <a:t>June 1, 2018</a:t>
             </a:fld>
             <a:endParaRPr lang="en-US"/>
           </a:p>
@@ -8342,7 +8342,7 @@
           <a:p>
             <a:fld id="{AD3D7C2D-F743-4FCC-BC33-F1985F0092CD}" type="datetime4">
               <a:rPr lang="en-US" smtClean="0"/>
-              <a:t>May 31, 2018</a:t>
+              <a:t>June 1, 2018</a:t>
             </a:fld>
             <a:endParaRPr lang="en-US"/>
           </a:p>
@@ -8839,7 +8839,7 @@
           <a:p>
             <a:fld id="{B048B7D2-0609-4C5D-8B14-D156AFEFE28B}" type="datetime4">
               <a:rPr lang="en-US" smtClean="0"/>
-              <a:t>May 31, 2018</a:t>
+              <a:t>June 1, 2018</a:t>
             </a:fld>
             <a:endParaRPr lang="en-US"/>
           </a:p>
@@ -9143,7 +9143,7 @@
           <a:p>
             <a:fld id="{139F0FB2-2AC1-4932-AAE0-B556BD9525F5}" type="datetime4">
               <a:rPr lang="en-US" smtClean="0"/>
-              <a:t>May 31, 2018</a:t>
+              <a:t>June 1, 2018</a:t>
             </a:fld>
             <a:endParaRPr lang="en-US" dirty="0"/>
           </a:p>
@@ -9337,7 +9337,7 @@
           <a:p>
             <a:fld id="{1B5C1C99-9248-4DBE-A35B-48FF94DF02C4}" type="datetime4">
               <a:rPr lang="en-US" smtClean="0"/>
-              <a:t>May 31, 2018</a:t>
+              <a:t>June 1, 2018</a:t>
             </a:fld>
             <a:endParaRPr lang="en-US" dirty="0"/>
           </a:p>
@@ -9461,7 +9461,7 @@
           <a:p>
             <a:fld id="{22A5B4B9-39D7-4F72-8B09-0428D07289FB}" type="datetime4">
               <a:rPr lang="en-US" smtClean="0"/>
-              <a:t>May 31, 2018</a:t>
+              <a:t>June 1, 2018</a:t>
             </a:fld>
             <a:endParaRPr lang="en-US" dirty="0"/>
           </a:p>
@@ -9640,7 +9640,7 @@
           <a:p>
             <a:fld id="{04D76003-3F35-4FCC-9B2E-D0E46D4FB8D1}" type="datetime4">
               <a:rPr lang="en-US" smtClean="0"/>
-              <a:t>May 31, 2018</a:t>
+              <a:t>June 1, 2018</a:t>
             </a:fld>
             <a:endParaRPr lang="en-US"/>
           </a:p>
@@ -9828,7 +9828,7 @@
           <a:p>
             <a:fld id="{D814A355-13B4-4B68-BE0C-D2FE3BEA05C0}" type="datetime4">
               <a:rPr lang="en-US" smtClean="0"/>
-              <a:t>May 31, 2018</a:t>
+              <a:t>June 1, 2018</a:t>
             </a:fld>
             <a:endParaRPr lang="en-US"/>
           </a:p>
@@ -10200,7 +10200,7 @@
           <a:p>
             <a:fld id="{3C510F41-D0C7-4FCE-86C6-11289FB1CFB2}" type="datetime4">
               <a:rPr lang="en-US" smtClean="0"/>
-              <a:t>May 31, 2018</a:t>
+              <a:t>June 1, 2018</a:t>
             </a:fld>
             <a:endParaRPr lang="en-US"/>
           </a:p>
@@ -10510,7 +10510,7 @@
           <a:p>
             <a:fld id="{48252602-647F-4F17-94C7-B3C72A4A3910}" type="datetime4">
               <a:rPr lang="en-US" smtClean="0"/>
-              <a:t>May 31, 2018</a:t>
+              <a:t>June 1, 2018</a:t>
             </a:fld>
             <a:endParaRPr lang="en-US"/>
           </a:p>
@@ -10621,14 +10621,14 @@
           </a:ln>
           <a:extLst>
             <a:ext uri="{909E8E84-426E-40dd-AFC4-6F175D3DCCD1}">
-              <a14:hiddenFill xmlns="" xmlns:a14="http://schemas.microsoft.com/office/drawing/2010/main">
+              <a14:hiddenFill xmlns:a14="http://schemas.microsoft.com/office/drawing/2010/main" xmlns="">
                 <a:solidFill>
                   <a:schemeClr val="accent1"/>
                 </a:solidFill>
               </a14:hiddenFill>
             </a:ext>
             <a:ext uri="{91240B29-F687-4f45-9708-019B960494DF}">
-              <a14:hiddenLine xmlns="" xmlns:a14="http://schemas.microsoft.com/office/drawing/2010/main" w="9525">
+              <a14:hiddenLine xmlns:a14="http://schemas.microsoft.com/office/drawing/2010/main" xmlns="" w="9525">
                 <a:solidFill>
                   <a:schemeClr val="tx1"/>
                 </a:solidFill>
@@ -10791,7 +10791,7 @@
           <a:p>
             <a:fld id="{0893A3F8-74A5-4258-8700-85CE221376B1}" type="datetime4">
               <a:rPr lang="en-US" smtClean="0"/>
-              <a:t>May 31, 2018</a:t>
+              <a:t>June 1, 2018</a:t>
             </a:fld>
             <a:endParaRPr lang="en-US"/>
           </a:p>
@@ -11050,7 +11050,7 @@
           <a:p>
             <a:fld id="{4F7DC652-0D88-436E-B9FA-3A6349543719}" type="datetime4">
               <a:rPr lang="en-US" smtClean="0"/>
-              <a:t>May 31, 2018</a:t>
+              <a:t>June 1, 2018</a:t>
             </a:fld>
             <a:endParaRPr lang="en-US"/>
           </a:p>
@@ -11237,7 +11237,7 @@
           <a:p>
             <a:fld id="{0F7A0393-7950-4C47-BF49-7A2922041637}" type="datetime4">
               <a:rPr lang="en-US" smtClean="0"/>
-              <a:t>May 31, 2018</a:t>
+              <a:t>June 1, 2018</a:t>
             </a:fld>
             <a:endParaRPr lang="en-US"/>
           </a:p>
@@ -11547,7 +11547,7 @@
           <a:p>
             <a:fld id="{8303EB61-A661-458E-BA81-4EC38C367D29}" type="datetime4">
               <a:rPr lang="en-US" smtClean="0"/>
-              <a:t>May 31, 2018</a:t>
+              <a:t>June 1, 2018</a:t>
             </a:fld>
             <a:endParaRPr lang="en-US"/>
           </a:p>
@@ -11723,7 +11723,7 @@
           <a:p>
             <a:fld id="{F9F0596B-56A8-41B1-94B5-E301ABBDE310}" type="datetime4">
               <a:rPr lang="en-US" smtClean="0"/>
-              <a:t>May 31, 2018</a:t>
+              <a:t>June 1, 2018</a:t>
             </a:fld>
             <a:endParaRPr lang="en-US"/>
           </a:p>
@@ -11956,7 +11956,7 @@
           <a:p>
             <a:fld id="{3C7E0A65-7FF0-4C43-A1EE-00E765CB22A3}" type="datetime4">
               <a:rPr lang="en-US" smtClean="0"/>
-              <a:t>May 31, 2018</a:t>
+              <a:t>June 1, 2018</a:t>
             </a:fld>
             <a:endParaRPr lang="en-US"/>
           </a:p>
@@ -12096,14 +12096,14 @@
           </a:ln>
           <a:extLst>
             <a:ext uri="{909E8E84-426E-40dd-AFC4-6F175D3DCCD1}">
-              <a14:hiddenFill xmlns="" xmlns:a14="http://schemas.microsoft.com/office/drawing/2010/main">
+              <a14:hiddenFill xmlns:a14="http://schemas.microsoft.com/office/drawing/2010/main" xmlns="">
                 <a:solidFill>
                   <a:schemeClr val="accent1"/>
                 </a:solidFill>
               </a14:hiddenFill>
             </a:ext>
             <a:ext uri="{91240B29-F687-4f45-9708-019B960494DF}">
-              <a14:hiddenLine xmlns="" xmlns:a14="http://schemas.microsoft.com/office/drawing/2010/main" w="9525">
+              <a14:hiddenLine xmlns:a14="http://schemas.microsoft.com/office/drawing/2010/main" xmlns="" w="9525">
                 <a:solidFill>
                   <a:schemeClr val="tx1"/>
                 </a:solidFill>
@@ -12151,7 +12151,7 @@
           <a:p>
             <a:fld id="{00316D97-7F16-4E18-BD31-88782D14623B}" type="datetime4">
               <a:rPr lang="en-US" smtClean="0"/>
-              <a:t>May 31, 2018</a:t>
+              <a:t>June 1, 2018</a:t>
             </a:fld>
             <a:endParaRPr lang="en-US"/>
           </a:p>
@@ -12263,14 +12263,14 @@
           </a:ln>
           <a:extLst>
             <a:ext uri="{909E8E84-426E-40dd-AFC4-6F175D3DCCD1}">
-              <a14:hiddenFill xmlns="" xmlns:a14="http://schemas.microsoft.com/office/drawing/2010/main">
+              <a14:hiddenFill xmlns:a14="http://schemas.microsoft.com/office/drawing/2010/main" xmlns="">
                 <a:solidFill>
                   <a:schemeClr val="accent1"/>
                 </a:solidFill>
               </a14:hiddenFill>
             </a:ext>
             <a:ext uri="{91240B29-F687-4f45-9708-019B960494DF}">
-              <a14:hiddenLine xmlns="" xmlns:a14="http://schemas.microsoft.com/office/drawing/2010/main" w="9525">
+              <a14:hiddenLine xmlns:a14="http://schemas.microsoft.com/office/drawing/2010/main" xmlns="" w="9525">
                 <a:solidFill>
                   <a:schemeClr val="tx1"/>
                 </a:solidFill>
@@ -12507,7 +12507,7 @@
           <a:p>
             <a:fld id="{60853B47-EAA4-4488-8908-3543FFA5D404}" type="datetime4">
               <a:rPr lang="en-US" smtClean="0"/>
-              <a:t>May 31, 2018</a:t>
+              <a:t>June 1, 2018</a:t>
             </a:fld>
             <a:endParaRPr lang="en-US"/>
           </a:p>
@@ -12653,7 +12653,7 @@
           <a:p>
             <a:fld id="{39F514C6-256B-4E92-B07A-C1F2C06285C0}" type="datetime4">
               <a:rPr lang="en-US" smtClean="0"/>
-              <a:t>May 31, 2018</a:t>
+              <a:t>June 1, 2018</a:t>
             </a:fld>
             <a:endParaRPr lang="en-US"/>
           </a:p>
@@ -12892,7 +12892,7 @@
           <a:p>
             <a:fld id="{4DA16311-A6C2-44BE-AC70-AF8E69E1FB31}" type="datetime4">
               <a:rPr lang="en-US" smtClean="0"/>
-              <a:t>May 31, 2018</a:t>
+              <a:t>June 1, 2018</a:t>
             </a:fld>
             <a:endParaRPr lang="en-US"/>
           </a:p>
@@ -12988,14 +12988,14 @@
           <a:noFill/>
           <a:extLst>
             <a:ext uri="{909E8E84-426E-40dd-AFC4-6F175D3DCCD1}">
-              <a14:hiddenFill xmlns="" xmlns:a14="http://schemas.microsoft.com/office/drawing/2010/main">
+              <a14:hiddenFill xmlns:a14="http://schemas.microsoft.com/office/drawing/2010/main" xmlns="">
                 <a:solidFill>
                   <a:srgbClr val="FFFFFF"/>
                 </a:solidFill>
               </a14:hiddenFill>
             </a:ext>
             <a:ext uri="{91240B29-F687-4f45-9708-019B960494DF}">
-              <a14:hiddenLine xmlns="" xmlns:a14="http://schemas.microsoft.com/office/drawing/2010/main" w="9525">
+              <a14:hiddenLine xmlns:a14="http://schemas.microsoft.com/office/drawing/2010/main" xmlns="" w="9525">
                 <a:solidFill>
                   <a:srgbClr val="000000"/>
                 </a:solidFill>
@@ -13186,7 +13186,7 @@
                 <a:latin typeface="Calibri" charset="0"/>
               </a:rPr>
               <a:pPr algn="ctr" eaLnBrk="1" hangingPunct="1"/>
-              <a:t>5/31/18</a:t>
+              <a:t>6/1/18</a:t>
             </a:fld>
             <a:r>
               <a:rPr lang="en-US" sz="1200">
@@ -13374,7 +13374,7 @@
           <a:p>
             <a:fld id="{CBC8E027-1956-4BC6-9D26-9ECFDC752981}" type="datetime4">
               <a:rPr lang="en-US" smtClean="0"/>
-              <a:t>May 31, 2018</a:t>
+              <a:t>June 1, 2018</a:t>
             </a:fld>
             <a:endParaRPr lang="en-US"/>
           </a:p>
@@ -13489,14 +13489,14 @@
           </a:ln>
           <a:extLst>
             <a:ext uri="{909E8E84-426E-40dd-AFC4-6F175D3DCCD1}">
-              <a14:hiddenFill xmlns="" xmlns:a14="http://schemas.microsoft.com/office/drawing/2010/main">
+              <a14:hiddenFill xmlns:a14="http://schemas.microsoft.com/office/drawing/2010/main" xmlns="">
                 <a:solidFill>
                   <a:schemeClr val="accent1"/>
                 </a:solidFill>
               </a14:hiddenFill>
             </a:ext>
             <a:ext uri="{91240B29-F687-4f45-9708-019B960494DF}">
-              <a14:hiddenLine xmlns="" xmlns:a14="http://schemas.microsoft.com/office/drawing/2010/main" w="9525">
+              <a14:hiddenLine xmlns:a14="http://schemas.microsoft.com/office/drawing/2010/main" xmlns="" w="9525">
                 <a:solidFill>
                   <a:schemeClr val="tx1"/>
                 </a:solidFill>
@@ -13628,7 +13628,7 @@
           <a:p>
             <a:fld id="{FF9A74D9-79B5-4932-A9F6-97B215585E55}" type="datetime4">
               <a:rPr lang="en-US" smtClean="0"/>
-              <a:t>May 31, 2018</a:t>
+              <a:t>June 1, 2018</a:t>
             </a:fld>
             <a:endParaRPr lang="en-US"/>
           </a:p>
@@ -13841,7 +13841,7 @@
           <a:p>
             <a:fld id="{E1C46E5C-1FFB-4183-813C-96920AE275EC}" type="datetime4">
               <a:rPr lang="en-US" smtClean="0"/>
-              <a:t>May 31, 2018</a:t>
+              <a:t>June 1, 2018</a:t>
             </a:fld>
             <a:endParaRPr lang="en-US"/>
           </a:p>
@@ -14039,7 +14039,7 @@
           <a:p>
             <a:fld id="{80570AE4-09AA-46EA-864B-B40E32E6B508}" type="datetime4">
               <a:rPr lang="en-US" smtClean="0"/>
-              <a:t>May 31, 2018</a:t>
+              <a:t>June 1, 2018</a:t>
             </a:fld>
             <a:endParaRPr lang="en-US"/>
           </a:p>
@@ -14234,7 +14234,7 @@
           <a:p>
             <a:fld id="{C241620D-4D61-435D-9E8D-6B63BC42F15F}" type="datetime4">
               <a:rPr lang="en-US" smtClean="0"/>
-              <a:t>May 31, 2018</a:t>
+              <a:t>June 1, 2018</a:t>
             </a:fld>
             <a:endParaRPr lang="en-US"/>
           </a:p>
@@ -14450,7 +14450,7 @@
           <a:p>
             <a:fld id="{B677F8B6-E62A-47E2-808D-9F614FE98061}" type="datetime4">
               <a:rPr lang="en-US" smtClean="0"/>
-              <a:t>May 31, 2018</a:t>
+              <a:t>June 1, 2018</a:t>
             </a:fld>
             <a:endParaRPr lang="en-US"/>
           </a:p>
@@ -14560,14 +14560,14 @@
           </a:ln>
           <a:extLst>
             <a:ext uri="{909E8E84-426E-40dd-AFC4-6F175D3DCCD1}">
-              <a14:hiddenFill xmlns="" xmlns:a14="http://schemas.microsoft.com/office/drawing/2010/main">
+              <a14:hiddenFill xmlns:a14="http://schemas.microsoft.com/office/drawing/2010/main" xmlns="">
                 <a:solidFill>
                   <a:schemeClr val="accent1"/>
                 </a:solidFill>
               </a14:hiddenFill>
             </a:ext>
             <a:ext uri="{91240B29-F687-4f45-9708-019B960494DF}">
-              <a14:hiddenLine xmlns="" xmlns:a14="http://schemas.microsoft.com/office/drawing/2010/main" w="9525">
+              <a14:hiddenLine xmlns:a14="http://schemas.microsoft.com/office/drawing/2010/main" xmlns="" w="9525">
                 <a:solidFill>
                   <a:schemeClr val="tx1"/>
                 </a:solidFill>
@@ -14709,7 +14709,7 @@
           <a:p>
             <a:fld id="{13038B9B-1515-42DE-AA08-64BAC3D2ABFB}" type="datetime4">
               <a:rPr lang="en-US" smtClean="0"/>
-              <a:t>May 31, 2018</a:t>
+              <a:t>June 1, 2018</a:t>
             </a:fld>
             <a:endParaRPr lang="en-US"/>
           </a:p>
@@ -14846,7 +14846,7 @@
           <a:noFill/>
           <a:extLst>
             <a:ext uri="{909E8E84-426E-40dd-AFC4-6F175D3DCCD1}">
-              <a14:hiddenFill xmlns="" xmlns:a14="http://schemas.microsoft.com/office/drawing/2010/main">
+              <a14:hiddenFill xmlns:a14="http://schemas.microsoft.com/office/drawing/2010/main" xmlns="">
                 <a:solidFill>
                   <a:srgbClr val="FFFFFF"/>
                 </a:solidFill>
@@ -14965,7 +14965,7 @@
           <a:p>
             <a:fld id="{0B329EA1-244A-4662-9146-6370633E4F7D}" type="datetime4">
               <a:rPr lang="en-US" smtClean="0"/>
-              <a:t>May 31, 2018</a:t>
+              <a:t>June 1, 2018</a:t>
             </a:fld>
             <a:endParaRPr lang="en-US"/>
           </a:p>
@@ -15118,7 +15118,7 @@
           <a:noFill/>
           <a:extLst>
             <a:ext uri="{909E8E84-426E-40dd-AFC4-6F175D3DCCD1}">
-              <a14:hiddenFill xmlns="" xmlns:a14="http://schemas.microsoft.com/office/drawing/2010/main">
+              <a14:hiddenFill xmlns:a14="http://schemas.microsoft.com/office/drawing/2010/main" xmlns="">
                 <a:solidFill>
                   <a:srgbClr val="FFFFFF"/>
                 </a:solidFill>
@@ -15248,7 +15248,7 @@
           <a:p>
             <a:fld id="{F0C7A49B-5801-4CB0-A8C8-9DAD649A0CB5}" type="datetime4">
               <a:rPr lang="en-US" smtClean="0"/>
-              <a:t>May 31, 2018</a:t>
+              <a:t>June 1, 2018</a:t>
             </a:fld>
             <a:endParaRPr lang="en-US"/>
           </a:p>
@@ -15445,7 +15445,7 @@
           <a:p>
             <a:fld id="{3D41B6E4-7D5B-4E95-8B04-C2DF0B5E4310}" type="datetime4">
               <a:rPr lang="en-US" smtClean="0"/>
-              <a:t>May 31, 2018</a:t>
+              <a:t>June 1, 2018</a:t>
             </a:fld>
             <a:endParaRPr lang="en-US"/>
           </a:p>
@@ -15568,7 +15568,7 @@
           <a:noFill/>
           <a:extLst>
             <a:ext uri="{909E8E84-426E-40dd-AFC4-6F175D3DCCD1}">
-              <a14:hiddenFill xmlns="" xmlns:a14="http://schemas.microsoft.com/office/drawing/2010/main">
+              <a14:hiddenFill xmlns:a14="http://schemas.microsoft.com/office/drawing/2010/main" xmlns="">
                 <a:solidFill>
                   <a:srgbClr val="FFFFFF"/>
                 </a:solidFill>
@@ -15673,7 +15673,7 @@
           <a:p>
             <a:fld id="{042921EA-5574-4AC6-BFFA-64225613616B}" type="datetime4">
               <a:rPr lang="en-US" smtClean="0"/>
-              <a:t>May 31, 2018</a:t>
+              <a:t>June 1, 2018</a:t>
             </a:fld>
             <a:endParaRPr lang="en-US"/>
           </a:p>
@@ -16090,7 +16090,7 @@
           <a:p>
             <a:fld id="{0EC1BBC7-218C-413E-81D8-96E67FE5954F}" type="datetime4">
               <a:rPr lang="en-US" smtClean="0"/>
-              <a:t>May 31, 2018</a:t>
+              <a:t>June 1, 2018</a:t>
             </a:fld>
             <a:endParaRPr lang="en-US"/>
           </a:p>
@@ -16381,7 +16381,7 @@
           <a:p>
             <a:fld id="{E9C145D2-5975-4267-85E9-6D5030679E22}" type="datetime4">
               <a:rPr lang="en-US" smtClean="0"/>
-              <a:t>May 31, 2018</a:t>
+              <a:t>June 1, 2018</a:t>
             </a:fld>
             <a:endParaRPr lang="en-US"/>
           </a:p>
@@ -16566,7 +16566,7 @@
           <a:p>
             <a:fld id="{C9D34173-2147-4F2A-A851-30E2AAB59555}" type="datetime4">
               <a:rPr lang="en-US" smtClean="0"/>
-              <a:t>May 31, 2018</a:t>
+              <a:t>June 1, 2018</a:t>
             </a:fld>
             <a:endParaRPr lang="en-US" dirty="0"/>
           </a:p>
@@ -16697,8 +16697,8 @@
         </p:nvSpPr>
         <p:spPr>
           <a:xfrm>
-            <a:off x="1964267" y="2828717"/>
-            <a:ext cx="7086600" cy="1314450"/>
+            <a:off x="1797803" y="2619213"/>
+            <a:ext cx="7253064" cy="1523953"/>
           </a:xfrm>
           <a:prstGeom prst="rect">
             <a:avLst/>
@@ -16706,7 +16706,7 @@
         </p:spPr>
         <p:txBody>
           <a:bodyPr vert="horz" lIns="91440" tIns="45720" rIns="91440" bIns="45720" rtlCol="0">
-            <a:normAutofit fontScale="62500" lnSpcReduction="20000"/>
+            <a:normAutofit fontScale="47500" lnSpcReduction="20000"/>
           </a:bodyPr>
           <a:lstStyle>
             <a:lvl1pPr marL="0" indent="0" algn="ctr" defTabSz="457200" rtl="0" eaLnBrk="1" latinLnBrk="0" hangingPunct="1">
@@ -16899,10 +16899,78 @@
             <a:endParaRPr lang="en-US" dirty="0"/>
           </a:p>
           <a:p>
-            <a:pPr algn="r"/>
+            <a:pPr lvl="0" algn="r">
+              <a:lnSpc>
+                <a:spcPct val="80000"/>
+              </a:lnSpc>
+              <a:buSzPts val="1665"/>
+            </a:pPr>
             <a:r>
               <a:rPr lang="en-US" dirty="0"/>
-              <a:t>2018-06-01</a:t>
+              <a:t>George Robb — </a:t>
+            </a:r>
+            <a:r>
+              <a:rPr lang="en-US" dirty="0">
+                <a:hlinkClick r:id="rId6"/>
+              </a:rPr>
+              <a:t>robbg@missouri.edu</a:t>
+            </a:r>
+            <a:endParaRPr lang="en-US" dirty="0"/>
+          </a:p>
+          <a:p>
+            <a:pPr lvl="0" algn="r">
+              <a:lnSpc>
+                <a:spcPct val="80000"/>
+              </a:lnSpc>
+              <a:buSzPts val="1665"/>
+            </a:pPr>
+            <a:r>
+              <a:rPr lang="en-US" dirty="0"/>
+              <a:t>Matt </a:t>
+            </a:r>
+            <a:r>
+              <a:rPr lang="en-US" dirty="0" err="1"/>
+              <a:t>Younkins</a:t>
+            </a:r>
+            <a:r>
+              <a:rPr lang="en-US" dirty="0"/>
+              <a:t> - </a:t>
+            </a:r>
+            <a:r>
+              <a:rPr lang="en-US" dirty="0">
+                <a:hlinkClick r:id="rId7"/>
+              </a:rPr>
+              <a:t>younkinsm@ou.edu</a:t>
+            </a:r>
+            <a:r>
+              <a:rPr lang="en-US" dirty="0"/>
+              <a:t> </a:t>
+            </a:r>
+            <a:endParaRPr lang="en-US" sz="4400" dirty="0"/>
+          </a:p>
+          <a:p>
+            <a:pPr lvl="0" algn="r">
+              <a:lnSpc>
+                <a:spcPct val="80000"/>
+              </a:lnSpc>
+              <a:spcBef>
+                <a:spcPts val="750"/>
+              </a:spcBef>
+              <a:buClr>
+                <a:schemeClr val="dk1"/>
+              </a:buClr>
+              <a:buSzPts val="1665"/>
+            </a:pPr>
+            <a:r>
+              <a:rPr lang="en-US" dirty="0">
+                <a:solidFill>
+                  <a:schemeClr val="dk1"/>
+                </a:solidFill>
+                <a:ea typeface="Calibri"/>
+                <a:cs typeface="Calibri"/>
+                <a:sym typeface="Calibri"/>
+              </a:rPr>
+              <a:t>June 1, 2018</a:t>
             </a:r>
           </a:p>
           <a:p>
@@ -17000,7 +17068,7 @@
           <a:p>
             <a:fld id="{77E6358C-E8E8-4119-90F8-C0BC1A84984D}" type="datetime4">
               <a:rPr lang="en-US" smtClean="0"/>
-              <a:t>May 31, 2018</a:t>
+              <a:t>June 1, 2018</a:t>
             </a:fld>
             <a:endParaRPr lang="en-US"/>
           </a:p>
@@ -17242,7 +17310,7 @@
           <a:p>
             <a:fld id="{C0D3C76E-1366-4FF4-B2D7-BA52EA414B3D}" type="datetime4">
               <a:rPr lang="en-US" smtClean="0"/>
-              <a:t>May 31, 2018</a:t>
+              <a:t>June 1, 2018</a:t>
             </a:fld>
             <a:endParaRPr lang="en-US"/>
           </a:p>
@@ -17449,7 +17517,7 @@
           <a:p>
             <a:fld id="{549F7773-5ABC-4114-A2E1-7CFEC120D8B5}" type="datetime4">
               <a:rPr lang="en-US" smtClean="0"/>
-              <a:t>May 31, 2018</a:t>
+              <a:t>June 1, 2018</a:t>
             </a:fld>
             <a:endParaRPr lang="en-US"/>
           </a:p>
@@ -17714,7 +17782,7 @@
           <a:p>
             <a:fld id="{EDDCE5D3-C808-4C83-8E53-6C76512DAD63}" type="datetime4">
               <a:rPr lang="en-US" smtClean="0"/>
-              <a:t>May 31, 2018</a:t>
+              <a:t>June 1, 2018</a:t>
             </a:fld>
             <a:endParaRPr lang="en-US"/>
           </a:p>
@@ -17866,7 +17934,7 @@
           <a:p>
             <a:fld id="{5C3412B6-8AD2-4A48-8C8C-A0175C6D7941}" type="datetime4">
               <a:rPr lang="en-US" smtClean="0"/>
-              <a:t>May 31, 2018</a:t>
+              <a:t>June 1, 2018</a:t>
             </a:fld>
             <a:endParaRPr lang="en-US"/>
           </a:p>
@@ -18155,7 +18223,7 @@
           <a:p>
             <a:fld id="{584A066C-78C2-4E0D-A87C-8B917C2B6D37}" type="datetime4">
               <a:rPr lang="en-US" smtClean="0"/>
-              <a:t>May 31, 2018</a:t>
+              <a:t>June 1, 2018</a:t>
             </a:fld>
             <a:endParaRPr lang="en-US"/>
           </a:p>
@@ -18500,7 +18568,7 @@
           <a:p>
             <a:fld id="{90541397-7870-464E-8D3C-5E54EAD1611B}" type="datetime4">
               <a:rPr lang="en-US" smtClean="0"/>
-              <a:t>May 31, 2018</a:t>
+              <a:t>June 1, 2018</a:t>
             </a:fld>
             <a:endParaRPr lang="en-US"/>
           </a:p>
@@ -18827,7 +18895,7 @@
           <a:p>
             <a:fld id="{08A09844-9CF4-4ACD-990B-E58ACC84B2FE}" type="datetime4">
               <a:rPr lang="en-US" smtClean="0"/>
-              <a:t>May 31, 2018</a:t>
+              <a:t>June 1, 2018</a:t>
             </a:fld>
             <a:endParaRPr lang="en-US"/>
           </a:p>
@@ -18992,7 +19060,92 @@
       </p:sp>
       <p:sp>
         <p:nvSpPr>
-          <p:cNvPr id="6" name="Subtitle 2"/>
+          <p:cNvPr id="3" name="Symbol zastępczy daty 2"/>
+          <p:cNvSpPr>
+            <a:spLocks noGrp="1"/>
+          </p:cNvSpPr>
+          <p:nvPr>
+            <p:ph type="dt" sz="half" idx="2"/>
+          </p:nvPr>
+        </p:nvSpPr>
+        <p:spPr>
+          <a:xfrm>
+            <a:off x="7484525" y="4853998"/>
+            <a:ext cx="1091107" cy="273844"/>
+          </a:xfrm>
+        </p:spPr>
+        <p:txBody>
+          <a:bodyPr/>
+          <a:lstStyle/>
+          <a:p>
+            <a:fld id="{F4025771-3664-4D4D-913E-3114C3A2D4EC}" type="datetime4">
+              <a:rPr lang="en-US" smtClean="0"/>
+              <a:t>June 1, 2018</a:t>
+            </a:fld>
+            <a:endParaRPr lang="en-US"/>
+          </a:p>
+        </p:txBody>
+      </p:sp>
+      <p:sp>
+        <p:nvSpPr>
+          <p:cNvPr id="5" name="Symbol zastępczy stopki 4"/>
+          <p:cNvSpPr>
+            <a:spLocks noGrp="1"/>
+          </p:cNvSpPr>
+          <p:nvPr>
+            <p:ph type="ftr" sz="quarter" idx="3"/>
+          </p:nvPr>
+        </p:nvSpPr>
+        <p:spPr>
+          <a:xfrm>
+            <a:off x="137160" y="4853998"/>
+            <a:ext cx="2079778" cy="273844"/>
+          </a:xfrm>
+        </p:spPr>
+        <p:txBody>
+          <a:bodyPr/>
+          <a:lstStyle/>
+          <a:p>
+            <a:r>
+              <a:rPr lang="en-US"/>
+              <a:t>© 2018, http://www.perfsonar.net</a:t>
+            </a:r>
+            <a:endParaRPr lang="en-US" dirty="0"/>
+          </a:p>
+        </p:txBody>
+      </p:sp>
+      <p:sp>
+        <p:nvSpPr>
+          <p:cNvPr id="7" name="Symbol zastępczy numeru slajdu 6"/>
+          <p:cNvSpPr>
+            <a:spLocks noGrp="1"/>
+          </p:cNvSpPr>
+          <p:nvPr>
+            <p:ph type="sldNum" sz="quarter" idx="4"/>
+          </p:nvPr>
+        </p:nvSpPr>
+        <p:spPr>
+          <a:xfrm>
+            <a:off x="8686800" y="4853998"/>
+            <a:ext cx="371412" cy="273844"/>
+          </a:xfrm>
+        </p:spPr>
+        <p:txBody>
+          <a:bodyPr/>
+          <a:lstStyle/>
+          <a:p>
+            <a:fld id="{318151B9-CF22-1341-A1FA-AF855BA4AD15}" type="slidenum">
+              <a:rPr lang="en-US" smtClean="0"/>
+              <a:pPr/>
+              <a:t>48</a:t>
+            </a:fld>
+            <a:endParaRPr lang="en-US"/>
+          </a:p>
+        </p:txBody>
+      </p:sp>
+      <p:sp>
+        <p:nvSpPr>
+          <p:cNvPr id="8" name="Title 1"/>
           <p:cNvSpPr txBox="1">
             <a:spLocks/>
           </p:cNvSpPr>
@@ -19000,16 +19153,71 @@
         </p:nvSpPr>
         <p:spPr>
           <a:xfrm>
-            <a:off x="1964267" y="2828717"/>
-            <a:ext cx="7086600" cy="1314450"/>
+            <a:off x="1143000" y="1037144"/>
+            <a:ext cx="6858000" cy="1790700"/>
           </a:xfrm>
           <a:prstGeom prst="rect">
             <a:avLst/>
           </a:prstGeom>
         </p:spPr>
         <p:txBody>
+          <a:bodyPr vert="horz" lIns="91440" tIns="45720" rIns="91440" bIns="45720" rtlCol="0" anchor="b">
+            <a:normAutofit/>
+          </a:bodyPr>
+          <a:lstStyle>
+            <a:lvl1pPr algn="ctr" defTabSz="685800" rtl="0" eaLnBrk="1" latinLnBrk="0" hangingPunct="1">
+              <a:lnSpc>
+                <a:spcPct val="90000"/>
+              </a:lnSpc>
+              <a:spcBef>
+                <a:spcPct val="0"/>
+              </a:spcBef>
+              <a:buNone/>
+              <a:defRPr sz="4500" kern="1200">
+                <a:solidFill>
+                  <a:schemeClr val="tx1"/>
+                </a:solidFill>
+                <a:latin typeface="+mj-lt"/>
+                <a:ea typeface="+mj-ea"/>
+                <a:cs typeface="+mj-cs"/>
+              </a:defRPr>
+            </a:lvl1pPr>
+          </a:lstStyle>
+          <a:p>
+            <a:r>
+              <a:rPr lang="en-US"/>
+              <a:t>Installation &amp; Basic Configuration</a:t>
+            </a:r>
+            <a:endParaRPr lang="en-US" b="1" dirty="0"/>
+          </a:p>
+        </p:txBody>
+      </p:sp>
+      <p:sp>
+        <p:nvSpPr>
+          <p:cNvPr id="9" name="Subtitle 2">
+            <a:extLst>
+              <a:ext uri="{FF2B5EF4-FFF2-40B4-BE49-F238E27FC236}">
+                <a16:creationId xmlns:a16="http://schemas.microsoft.com/office/drawing/2014/main" id="{53ECD9BF-756C-6E45-86F8-935827E34412}"/>
+              </a:ext>
+            </a:extLst>
+          </p:cNvPr>
+          <p:cNvSpPr txBox="1">
+            <a:spLocks/>
+          </p:cNvSpPr>
+          <p:nvPr/>
+        </p:nvSpPr>
+        <p:spPr>
+          <a:xfrm>
+            <a:off x="1797803" y="2619213"/>
+            <a:ext cx="7253064" cy="1523953"/>
+          </a:xfrm>
+          <a:prstGeom prst="rect">
+            <a:avLst/>
+          </a:prstGeom>
+        </p:spPr>
+        <p:txBody>
           <a:bodyPr vert="horz" lIns="91440" tIns="45720" rIns="91440" bIns="45720" rtlCol="0">
-            <a:normAutofit fontScale="62500" lnSpcReduction="20000"/>
+            <a:normAutofit fontScale="47500" lnSpcReduction="20000"/>
           </a:bodyPr>
           <a:lstStyle>
             <a:lvl1pPr marL="0" indent="0" algn="ctr" defTabSz="457200" rtl="0" eaLnBrk="1" latinLnBrk="0" hangingPunct="1">
@@ -19202,149 +19410,83 @@
             <a:endParaRPr lang="en-US" dirty="0"/>
           </a:p>
           <a:p>
-            <a:pPr algn="r"/>
+            <a:pPr lvl="0" algn="r">
+              <a:lnSpc>
+                <a:spcPct val="80000"/>
+              </a:lnSpc>
+              <a:buSzPts val="1665"/>
+            </a:pPr>
             <a:r>
               <a:rPr lang="en-US" dirty="0"/>
-              <a:t>2018-06-01</a:t>
+              <a:t>George Robb — </a:t>
+            </a:r>
+            <a:r>
+              <a:rPr lang="en-US" dirty="0">
+                <a:hlinkClick r:id="rId6"/>
+              </a:rPr>
+              <a:t>robbg@missouri.edu</a:t>
+            </a:r>
+            <a:endParaRPr lang="en-US" dirty="0"/>
+          </a:p>
+          <a:p>
+            <a:pPr lvl="0" algn="r">
+              <a:lnSpc>
+                <a:spcPct val="80000"/>
+              </a:lnSpc>
+              <a:buSzPts val="1665"/>
+            </a:pPr>
+            <a:r>
+              <a:rPr lang="en-US" dirty="0"/>
+              <a:t>Matt </a:t>
+            </a:r>
+            <a:r>
+              <a:rPr lang="en-US" dirty="0" err="1"/>
+              <a:t>Younkins</a:t>
+            </a:r>
+            <a:r>
+              <a:rPr lang="en-US" dirty="0"/>
+              <a:t> - </a:t>
+            </a:r>
+            <a:r>
+              <a:rPr lang="en-US" dirty="0">
+                <a:hlinkClick r:id="rId7"/>
+              </a:rPr>
+              <a:t>younkinsm@ou.edu</a:t>
+            </a:r>
+            <a:r>
+              <a:rPr lang="en-US" dirty="0"/>
+              <a:t> </a:t>
+            </a:r>
+            <a:endParaRPr lang="en-US" sz="4400" dirty="0"/>
+          </a:p>
+          <a:p>
+            <a:pPr lvl="0" algn="r">
+              <a:lnSpc>
+                <a:spcPct val="80000"/>
+              </a:lnSpc>
+              <a:spcBef>
+                <a:spcPts val="750"/>
+              </a:spcBef>
+              <a:buClr>
+                <a:schemeClr val="dk1"/>
+              </a:buClr>
+              <a:buSzPts val="1665"/>
+            </a:pPr>
+            <a:r>
+              <a:rPr lang="en-US" dirty="0">
+                <a:solidFill>
+                  <a:schemeClr val="dk1"/>
+                </a:solidFill>
+                <a:ea typeface="Calibri"/>
+                <a:cs typeface="Calibri"/>
+                <a:sym typeface="Calibri"/>
+              </a:rPr>
+              <a:t>June 1, 2018</a:t>
             </a:r>
           </a:p>
           <a:p>
             <a:pPr algn="r"/>
             <a:endParaRPr lang="en-US" dirty="0"/>
-          </a:p>
-        </p:txBody>
-      </p:sp>
-      <p:sp>
-        <p:nvSpPr>
-          <p:cNvPr id="3" name="Symbol zastępczy daty 2"/>
-          <p:cNvSpPr>
-            <a:spLocks noGrp="1"/>
-          </p:cNvSpPr>
-          <p:nvPr>
-            <p:ph type="dt" sz="half" idx="2"/>
-          </p:nvPr>
-        </p:nvSpPr>
-        <p:spPr>
-          <a:xfrm>
-            <a:off x="7484525" y="4853998"/>
-            <a:ext cx="1091107" cy="273844"/>
-          </a:xfrm>
-        </p:spPr>
-        <p:txBody>
-          <a:bodyPr/>
-          <a:lstStyle/>
-          <a:p>
-            <a:fld id="{F4025771-3664-4D4D-913E-3114C3A2D4EC}" type="datetime4">
-              <a:rPr lang="en-US" smtClean="0"/>
-              <a:t>May 31, 2018</a:t>
-            </a:fld>
-            <a:endParaRPr lang="en-US"/>
-          </a:p>
-        </p:txBody>
-      </p:sp>
-      <p:sp>
-        <p:nvSpPr>
-          <p:cNvPr id="5" name="Symbol zastępczy stopki 4"/>
-          <p:cNvSpPr>
-            <a:spLocks noGrp="1"/>
-          </p:cNvSpPr>
-          <p:nvPr>
-            <p:ph type="ftr" sz="quarter" idx="3"/>
-          </p:nvPr>
-        </p:nvSpPr>
-        <p:spPr>
-          <a:xfrm>
-            <a:off x="137160" y="4853998"/>
-            <a:ext cx="2079778" cy="273844"/>
-          </a:xfrm>
-        </p:spPr>
-        <p:txBody>
-          <a:bodyPr/>
-          <a:lstStyle/>
-          <a:p>
-            <a:r>
-              <a:rPr lang="en-US"/>
-              <a:t>© 2018, http://www.perfsonar.net</a:t>
-            </a:r>
-            <a:endParaRPr lang="en-US" dirty="0"/>
-          </a:p>
-        </p:txBody>
-      </p:sp>
-      <p:sp>
-        <p:nvSpPr>
-          <p:cNvPr id="7" name="Symbol zastępczy numeru slajdu 6"/>
-          <p:cNvSpPr>
-            <a:spLocks noGrp="1"/>
-          </p:cNvSpPr>
-          <p:nvPr>
-            <p:ph type="sldNum" sz="quarter" idx="4"/>
-          </p:nvPr>
-        </p:nvSpPr>
-        <p:spPr>
-          <a:xfrm>
-            <a:off x="8686800" y="4853998"/>
-            <a:ext cx="371412" cy="273844"/>
-          </a:xfrm>
-        </p:spPr>
-        <p:txBody>
-          <a:bodyPr/>
-          <a:lstStyle/>
-          <a:p>
-            <a:fld id="{318151B9-CF22-1341-A1FA-AF855BA4AD15}" type="slidenum">
-              <a:rPr lang="en-US" smtClean="0"/>
-              <a:pPr/>
-              <a:t>48</a:t>
-            </a:fld>
-            <a:endParaRPr lang="en-US"/>
-          </a:p>
-        </p:txBody>
-      </p:sp>
-      <p:sp>
-        <p:nvSpPr>
-          <p:cNvPr id="8" name="Title 1"/>
-          <p:cNvSpPr txBox="1">
-            <a:spLocks/>
-          </p:cNvSpPr>
-          <p:nvPr/>
-        </p:nvSpPr>
-        <p:spPr>
-          <a:xfrm>
-            <a:off x="1143000" y="1037144"/>
-            <a:ext cx="6858000" cy="1790700"/>
-          </a:xfrm>
-          <a:prstGeom prst="rect">
-            <a:avLst/>
-          </a:prstGeom>
-        </p:spPr>
-        <p:txBody>
-          <a:bodyPr vert="horz" lIns="91440" tIns="45720" rIns="91440" bIns="45720" rtlCol="0" anchor="b">
-            <a:normAutofit/>
-          </a:bodyPr>
-          <a:lstStyle>
-            <a:lvl1pPr algn="ctr" defTabSz="685800" rtl="0" eaLnBrk="1" latinLnBrk="0" hangingPunct="1">
-              <a:lnSpc>
-                <a:spcPct val="90000"/>
-              </a:lnSpc>
-              <a:spcBef>
-                <a:spcPct val="0"/>
-              </a:spcBef>
-              <a:buNone/>
-              <a:defRPr sz="4500" kern="1200">
-                <a:solidFill>
-                  <a:schemeClr val="tx1"/>
-                </a:solidFill>
-                <a:latin typeface="+mj-lt"/>
-                <a:ea typeface="+mj-ea"/>
-                <a:cs typeface="+mj-cs"/>
-              </a:defRPr>
-            </a:lvl1pPr>
-          </a:lstStyle>
-          <a:p>
-            <a:r>
-              <a:rPr lang="en-US"/>
-              <a:t>Installation &amp; Basic Configuration</a:t>
-            </a:r>
-            <a:endParaRPr lang="en-US" b="1" dirty="0"/>
           </a:p>
         </p:txBody>
       </p:sp>
@@ -19524,7 +19666,7 @@
           <a:p>
             <a:fld id="{3ED416A4-DC2C-4D5C-967B-C3D12C015673}" type="datetime4">
               <a:rPr lang="en-US" smtClean="0"/>
-              <a:t>May 31, 2018</a:t>
+              <a:t>June 1, 2018</a:t>
             </a:fld>
             <a:endParaRPr lang="en-US"/>
           </a:p>
@@ -19692,7 +19834,7 @@
           <a:p>
             <a:fld id="{DE32F768-8B00-483B-975E-BC05F754DBC5}" type="datetime4">
               <a:rPr lang="en-US" smtClean="0"/>
-              <a:t>May 31, 2018</a:t>
+              <a:t>June 1, 2018</a:t>
             </a:fld>
             <a:endParaRPr lang="en-US"/>
           </a:p>
@@ -19920,7 +20062,7 @@
           <a:p>
             <a:fld id="{A7B76FD5-A77B-4001-9134-3F1739E92CAA}" type="datetime4">
               <a:rPr lang="en-US" smtClean="0"/>
-              <a:t>May 31, 2018</a:t>
+              <a:t>June 1, 2018</a:t>
             </a:fld>
             <a:endParaRPr lang="en-US" dirty="0"/>
           </a:p>
@@ -20161,7 +20303,7 @@
           <a:p>
             <a:fld id="{3C6B66BC-336D-4970-8B9C-85FE1D6D2ECA}" type="datetime4">
               <a:rPr lang="en-US" smtClean="0"/>
-              <a:t>May 31, 2018</a:t>
+              <a:t>June 1, 2018</a:t>
             </a:fld>
             <a:endParaRPr lang="en-US" dirty="0"/>
           </a:p>
@@ -20387,7 +20529,7 @@
           <a:p>
             <a:fld id="{F71E966F-8FF4-4F49-8265-5A7BDEAC4A3C}" type="datetime4">
               <a:rPr lang="en-US" smtClean="0"/>
-              <a:t>May 31, 2018</a:t>
+              <a:t>June 1, 2018</a:t>
             </a:fld>
             <a:endParaRPr lang="en-US"/>
           </a:p>
